--- a/Basic Project.pptx
+++ b/Basic Project.pptx
@@ -9,6 +9,14 @@
     <p:sldId id="257" r:id="rId3"/>
     <p:sldId id="258" r:id="rId4"/>
     <p:sldId id="259" r:id="rId5"/>
+    <p:sldId id="260" r:id="rId6"/>
+    <p:sldId id="261" r:id="rId7"/>
+    <p:sldId id="262" r:id="rId8"/>
+    <p:sldId id="263" r:id="rId9"/>
+    <p:sldId id="264" r:id="rId10"/>
+    <p:sldId id="265" r:id="rId11"/>
+    <p:sldId id="266" r:id="rId12"/>
+    <p:sldId id="267" r:id="rId13"/>
   </p:sldIdLst>
   <p:sldSz cx="12192000" cy="6858000"/>
   <p:notesSz cx="6858000" cy="9144000"/>
@@ -107,6 +115,11 @@
       </a:defRPr>
     </a:lvl9pPr>
   </p:defaultTextStyle>
+  <p:extLst>
+    <p:ext uri="{EFAFB233-063F-42B5-8137-9DF3F51BA10A}">
+      <p15:sldGuideLst xmlns:p15="http://schemas.microsoft.com/office/powerpoint/2012/main"/>
+    </p:ext>
+  </p:extLst>
 </p:presentation>
 </file>
 
@@ -3394,6 +3407,246 @@
 </p:sld>
 </file>
 
+<file path=ppt/slides/slide10.xml><?xml version="1.0" encoding="utf-8"?>
+<p:sld xmlns:a="http://schemas.openxmlformats.org/drawingml/2006/main" xmlns:r="http://schemas.openxmlformats.org/officeDocument/2006/relationships" xmlns:p="http://schemas.openxmlformats.org/presentationml/2006/main">
+  <p:cSld>
+    <p:spTree>
+      <p:nvGrpSpPr>
+        <p:cNvPr id="1" name=""/>
+        <p:cNvGrpSpPr/>
+        <p:nvPr/>
+      </p:nvGrpSpPr>
+      <p:grpSpPr>
+        <a:xfrm>
+          <a:off x="0" y="0"/>
+          <a:ext cx="0" cy="0"/>
+          <a:chOff x="0" y="0"/>
+          <a:chExt cx="0" cy="0"/>
+        </a:xfrm>
+      </p:grpSpPr>
+      <p:sp>
+        <p:nvSpPr>
+          <p:cNvPr id="2" name="제목 1">
+            <a:extLst>
+              <a:ext uri="{FF2B5EF4-FFF2-40B4-BE49-F238E27FC236}">
+                <a16:creationId xmlns:a16="http://schemas.microsoft.com/office/drawing/2014/main" id="{6AB6C28D-461F-485F-9BE3-E0A1129B4411}"/>
+              </a:ext>
+            </a:extLst>
+          </p:cNvPr>
+          <p:cNvSpPr>
+            <a:spLocks noGrp="1"/>
+          </p:cNvSpPr>
+          <p:nvPr>
+            <p:ph type="title"/>
+          </p:nvPr>
+        </p:nvSpPr>
+        <p:spPr/>
+        <p:txBody>
+          <a:bodyPr/>
+          <a:lstStyle/>
+          <a:p>
+            <a:endParaRPr lang="ko-KR" altLang="en-US"/>
+          </a:p>
+        </p:txBody>
+      </p:sp>
+      <p:sp>
+        <p:nvSpPr>
+          <p:cNvPr id="3" name="내용 개체 틀 2">
+            <a:extLst>
+              <a:ext uri="{FF2B5EF4-FFF2-40B4-BE49-F238E27FC236}">
+                <a16:creationId xmlns:a16="http://schemas.microsoft.com/office/drawing/2014/main" id="{6BF18211-3432-4A13-B9EF-56A6D2C423CD}"/>
+              </a:ext>
+            </a:extLst>
+          </p:cNvPr>
+          <p:cNvSpPr>
+            <a:spLocks noGrp="1"/>
+          </p:cNvSpPr>
+          <p:nvPr>
+            <p:ph idx="1"/>
+          </p:nvPr>
+        </p:nvSpPr>
+        <p:spPr/>
+        <p:txBody>
+          <a:bodyPr/>
+          <a:lstStyle/>
+          <a:p>
+            <a:endParaRPr lang="ko-KR" altLang="en-US"/>
+          </a:p>
+        </p:txBody>
+      </p:sp>
+    </p:spTree>
+    <p:extLst>
+      <p:ext uri="{BB962C8B-B14F-4D97-AF65-F5344CB8AC3E}">
+        <p14:creationId xmlns:p14="http://schemas.microsoft.com/office/powerpoint/2010/main" val="1791263375"/>
+      </p:ext>
+    </p:extLst>
+  </p:cSld>
+  <p:clrMapOvr>
+    <a:masterClrMapping/>
+  </p:clrMapOvr>
+</p:sld>
+</file>
+
+<file path=ppt/slides/slide11.xml><?xml version="1.0" encoding="utf-8"?>
+<p:sld xmlns:a="http://schemas.openxmlformats.org/drawingml/2006/main" xmlns:r="http://schemas.openxmlformats.org/officeDocument/2006/relationships" xmlns:p="http://schemas.openxmlformats.org/presentationml/2006/main">
+  <p:cSld>
+    <p:spTree>
+      <p:nvGrpSpPr>
+        <p:cNvPr id="1" name=""/>
+        <p:cNvGrpSpPr/>
+        <p:nvPr/>
+      </p:nvGrpSpPr>
+      <p:grpSpPr>
+        <a:xfrm>
+          <a:off x="0" y="0"/>
+          <a:ext cx="0" cy="0"/>
+          <a:chOff x="0" y="0"/>
+          <a:chExt cx="0" cy="0"/>
+        </a:xfrm>
+      </p:grpSpPr>
+      <p:sp>
+        <p:nvSpPr>
+          <p:cNvPr id="2" name="제목 1">
+            <a:extLst>
+              <a:ext uri="{FF2B5EF4-FFF2-40B4-BE49-F238E27FC236}">
+                <a16:creationId xmlns:a16="http://schemas.microsoft.com/office/drawing/2014/main" id="{6AB6C28D-461F-485F-9BE3-E0A1129B4411}"/>
+              </a:ext>
+            </a:extLst>
+          </p:cNvPr>
+          <p:cNvSpPr>
+            <a:spLocks noGrp="1"/>
+          </p:cNvSpPr>
+          <p:nvPr>
+            <p:ph type="title"/>
+          </p:nvPr>
+        </p:nvSpPr>
+        <p:spPr/>
+        <p:txBody>
+          <a:bodyPr/>
+          <a:lstStyle/>
+          <a:p>
+            <a:endParaRPr lang="ko-KR" altLang="en-US"/>
+          </a:p>
+        </p:txBody>
+      </p:sp>
+      <p:sp>
+        <p:nvSpPr>
+          <p:cNvPr id="3" name="내용 개체 틀 2">
+            <a:extLst>
+              <a:ext uri="{FF2B5EF4-FFF2-40B4-BE49-F238E27FC236}">
+                <a16:creationId xmlns:a16="http://schemas.microsoft.com/office/drawing/2014/main" id="{6BF18211-3432-4A13-B9EF-56A6D2C423CD}"/>
+              </a:ext>
+            </a:extLst>
+          </p:cNvPr>
+          <p:cNvSpPr>
+            <a:spLocks noGrp="1"/>
+          </p:cNvSpPr>
+          <p:nvPr>
+            <p:ph idx="1"/>
+          </p:nvPr>
+        </p:nvSpPr>
+        <p:spPr/>
+        <p:txBody>
+          <a:bodyPr/>
+          <a:lstStyle/>
+          <a:p>
+            <a:endParaRPr lang="ko-KR" altLang="en-US"/>
+          </a:p>
+        </p:txBody>
+      </p:sp>
+    </p:spTree>
+    <p:extLst>
+      <p:ext uri="{BB962C8B-B14F-4D97-AF65-F5344CB8AC3E}">
+        <p14:creationId xmlns:p14="http://schemas.microsoft.com/office/powerpoint/2010/main" val="2076702590"/>
+      </p:ext>
+    </p:extLst>
+  </p:cSld>
+  <p:clrMapOvr>
+    <a:masterClrMapping/>
+  </p:clrMapOvr>
+</p:sld>
+</file>
+
+<file path=ppt/slides/slide12.xml><?xml version="1.0" encoding="utf-8"?>
+<p:sld xmlns:a="http://schemas.openxmlformats.org/drawingml/2006/main" xmlns:r="http://schemas.openxmlformats.org/officeDocument/2006/relationships" xmlns:p="http://schemas.openxmlformats.org/presentationml/2006/main">
+  <p:cSld>
+    <p:spTree>
+      <p:nvGrpSpPr>
+        <p:cNvPr id="1" name=""/>
+        <p:cNvGrpSpPr/>
+        <p:nvPr/>
+      </p:nvGrpSpPr>
+      <p:grpSpPr>
+        <a:xfrm>
+          <a:off x="0" y="0"/>
+          <a:ext cx="0" cy="0"/>
+          <a:chOff x="0" y="0"/>
+          <a:chExt cx="0" cy="0"/>
+        </a:xfrm>
+      </p:grpSpPr>
+      <p:sp>
+        <p:nvSpPr>
+          <p:cNvPr id="2" name="제목 1">
+            <a:extLst>
+              <a:ext uri="{FF2B5EF4-FFF2-40B4-BE49-F238E27FC236}">
+                <a16:creationId xmlns:a16="http://schemas.microsoft.com/office/drawing/2014/main" id="{6AB6C28D-461F-485F-9BE3-E0A1129B4411}"/>
+              </a:ext>
+            </a:extLst>
+          </p:cNvPr>
+          <p:cNvSpPr>
+            <a:spLocks noGrp="1"/>
+          </p:cNvSpPr>
+          <p:nvPr>
+            <p:ph type="title"/>
+          </p:nvPr>
+        </p:nvSpPr>
+        <p:spPr/>
+        <p:txBody>
+          <a:bodyPr/>
+          <a:lstStyle/>
+          <a:p>
+            <a:endParaRPr lang="ko-KR" altLang="en-US"/>
+          </a:p>
+        </p:txBody>
+      </p:sp>
+      <p:sp>
+        <p:nvSpPr>
+          <p:cNvPr id="3" name="내용 개체 틀 2">
+            <a:extLst>
+              <a:ext uri="{FF2B5EF4-FFF2-40B4-BE49-F238E27FC236}">
+                <a16:creationId xmlns:a16="http://schemas.microsoft.com/office/drawing/2014/main" id="{6BF18211-3432-4A13-B9EF-56A6D2C423CD}"/>
+              </a:ext>
+            </a:extLst>
+          </p:cNvPr>
+          <p:cNvSpPr>
+            <a:spLocks noGrp="1"/>
+          </p:cNvSpPr>
+          <p:nvPr>
+            <p:ph idx="1"/>
+          </p:nvPr>
+        </p:nvSpPr>
+        <p:spPr/>
+        <p:txBody>
+          <a:bodyPr/>
+          <a:lstStyle/>
+          <a:p>
+            <a:endParaRPr lang="ko-KR" altLang="en-US"/>
+          </a:p>
+        </p:txBody>
+      </p:sp>
+    </p:spTree>
+    <p:extLst>
+      <p:ext uri="{BB962C8B-B14F-4D97-AF65-F5344CB8AC3E}">
+        <p14:creationId xmlns:p14="http://schemas.microsoft.com/office/powerpoint/2010/main" val="399296091"/>
+      </p:ext>
+    </p:extLst>
+  </p:cSld>
+  <p:clrMapOvr>
+    <a:masterClrMapping/>
+  </p:clrMapOvr>
+</p:sld>
+</file>
+
 <file path=ppt/slides/slide2.xml><?xml version="1.0" encoding="utf-8"?>
 <p:sld xmlns:a="http://schemas.openxmlformats.org/drawingml/2006/main" xmlns:r="http://schemas.openxmlformats.org/officeDocument/2006/relationships" xmlns:p="http://schemas.openxmlformats.org/presentationml/2006/main">
   <p:cSld>
@@ -4890,7 +5143,7 @@
         </p:nvSpPr>
         <p:spPr>
           <a:xfrm>
-            <a:off x="8348443" y="2373970"/>
+            <a:off x="8289720" y="2390634"/>
             <a:ext cx="2013357" cy="369332"/>
           </a:xfrm>
           <a:prstGeom prst="rect">
@@ -4962,13 +5215,13 @@
           <p:nvPr>
             <p:extLst>
               <p:ext uri="{D42A27DB-BD31-4B8C-83A1-F6EECF244321}">
-                <p14:modId xmlns:p14="http://schemas.microsoft.com/office/powerpoint/2010/main" val="1094104963"/>
+                <p14:modId xmlns:p14="http://schemas.microsoft.com/office/powerpoint/2010/main" val="350804919"/>
               </p:ext>
             </p:extLst>
           </p:nvPr>
         </p:nvGraphicFramePr>
         <p:xfrm>
-          <a:off x="9227889" y="2743302"/>
+          <a:off x="9236278" y="2819400"/>
           <a:ext cx="1463415" cy="1219200"/>
         </p:xfrm>
         <a:graphic>
@@ -5089,14 +5342,14 @@
           <p:nvPr>
             <p:extLst>
               <p:ext uri="{D42A27DB-BD31-4B8C-83A1-F6EECF244321}">
-                <p14:modId xmlns:p14="http://schemas.microsoft.com/office/powerpoint/2010/main" val="2375372498"/>
+                <p14:modId xmlns:p14="http://schemas.microsoft.com/office/powerpoint/2010/main" val="1344946297"/>
               </p:ext>
             </p:extLst>
           </p:nvPr>
         </p:nvGraphicFramePr>
         <p:xfrm>
-          <a:off x="7712743" y="2743302"/>
-          <a:ext cx="1463415" cy="1219200"/>
+          <a:off x="7570130" y="2819400"/>
+          <a:ext cx="1614418" cy="1219200"/>
         </p:xfrm>
         <a:graphic>
           <a:graphicData uri="http://schemas.openxmlformats.org/drawingml/2006/table">
@@ -5105,7 +5358,7 @@
                 <a:tableStyleId>{073A0DAA-6AF3-43AB-8588-CEC1D06C72B9}</a:tableStyleId>
               </a:tblPr>
               <a:tblGrid>
-                <a:gridCol w="1463415">
+                <a:gridCol w="1614418">
                   <a:extLst>
                     <a:ext uri="{9D8B030D-6E8A-4147-A177-3AD203B41FA5}">
                       <a16:colId xmlns:a16="http://schemas.microsoft.com/office/drawing/2014/main" val="2161190940"/>
@@ -5143,7 +5396,7 @@
                       <a:pPr latinLnBrk="1"/>
                       <a:r>
                         <a:rPr lang="ko-KR" altLang="en-US" sz="1400" dirty="0"/>
-                        <a:t>사용자관리</a:t>
+                        <a:t>카테고리리스트</a:t>
                       </a:r>
                     </a:p>
                   </a:txBody>
@@ -5163,9 +5416,14 @@
                     <a:p>
                       <a:pPr latinLnBrk="1"/>
                       <a:r>
-                        <a:rPr lang="ko-KR" altLang="en-US" sz="1400" dirty="0"/>
-                        <a:t>역할관리</a:t>
+                        <a:rPr lang="ko-KR" altLang="en-US" sz="1400" dirty="0" err="1"/>
+                        <a:t>카테고리숨김</a:t>
                       </a:r>
+                      <a:r>
+                        <a:rPr lang="en-US" altLang="ko-KR" sz="1400" dirty="0" err="1"/>
+                        <a:t>yn</a:t>
+                      </a:r>
+                      <a:endParaRPr lang="ko-KR" altLang="en-US" sz="1400" dirty="0"/>
                     </a:p>
                   </a:txBody>
                   <a:tcPr/>
@@ -5185,7 +5443,7 @@
                       <a:pPr latinLnBrk="1"/>
                       <a:r>
                         <a:rPr lang="ko-KR" altLang="en-US" sz="1400" dirty="0"/>
-                        <a:t>권한관리</a:t>
+                        <a:t>카테고리생성삭제</a:t>
                       </a:r>
                     </a:p>
                   </a:txBody>
@@ -5216,13 +5474,13 @@
           <p:nvPr>
             <p:extLst>
               <p:ext uri="{D42A27DB-BD31-4B8C-83A1-F6EECF244321}">
-                <p14:modId xmlns:p14="http://schemas.microsoft.com/office/powerpoint/2010/main" val="182298152"/>
+                <p14:modId xmlns:p14="http://schemas.microsoft.com/office/powerpoint/2010/main" val="522880089"/>
               </p:ext>
             </p:extLst>
           </p:nvPr>
         </p:nvGraphicFramePr>
         <p:xfrm>
-          <a:off x="6197597" y="2743302"/>
+          <a:off x="6054984" y="2819400"/>
           <a:ext cx="1463415" cy="1219200"/>
         </p:xfrm>
         <a:graphic>
@@ -5248,7 +5506,7 @@
                     <a:p>
                       <a:pPr latinLnBrk="1"/>
                       <a:r>
-                        <a:rPr lang="ko-KR" altLang="en-US" sz="1400" dirty="0"/>
+                        <a:rPr lang="ko-KR" altLang="en-US" sz="1400" strike="sngStrike" dirty="0"/>
                         <a:t>게시글 관리</a:t>
                       </a:r>
                     </a:p>
@@ -5268,7 +5526,10 @@
                     <a:lstStyle/>
                     <a:p>
                       <a:pPr latinLnBrk="1"/>
-                      <a:endParaRPr lang="ko-KR" altLang="en-US" sz="1400" dirty="0"/>
+                      <a:r>
+                        <a:rPr lang="ko-KR" altLang="en-US" sz="1400" strike="sngStrike" dirty="0"/>
+                        <a:t>게시글 리스트</a:t>
+                      </a:r>
                     </a:p>
                   </a:txBody>
                   <a:tcPr/>
@@ -5286,7 +5547,10 @@
                     <a:lstStyle/>
                     <a:p>
                       <a:pPr latinLnBrk="1"/>
-                      <a:endParaRPr lang="ko-KR" altLang="en-US" sz="1400" dirty="0"/>
+                      <a:r>
+                        <a:rPr lang="ko-KR" altLang="en-US" sz="1400" strike="sngStrike" dirty="0"/>
+                        <a:t>게시글 조회</a:t>
+                      </a:r>
                     </a:p>
                   </a:txBody>
                   <a:tcPr/>
@@ -5304,7 +5568,10 @@
                     <a:lstStyle/>
                     <a:p>
                       <a:pPr latinLnBrk="1"/>
-                      <a:endParaRPr lang="ko-KR" altLang="en-US" sz="1400" dirty="0"/>
+                      <a:r>
+                        <a:rPr lang="ko-KR" altLang="en-US" sz="1400" strike="sngStrike" dirty="0"/>
+                        <a:t>게시글 삭제</a:t>
+                      </a:r>
                     </a:p>
                   </a:txBody>
                   <a:tcPr/>
@@ -5334,14 +5601,14 @@
           <p:nvPr>
             <p:extLst>
               <p:ext uri="{D42A27DB-BD31-4B8C-83A1-F6EECF244321}">
-                <p14:modId xmlns:p14="http://schemas.microsoft.com/office/powerpoint/2010/main" val="1227415283"/>
+                <p14:modId xmlns:p14="http://schemas.microsoft.com/office/powerpoint/2010/main" val="1474115701"/>
               </p:ext>
             </p:extLst>
           </p:nvPr>
         </p:nvGraphicFramePr>
         <p:xfrm>
-          <a:off x="10743035" y="2743302"/>
-          <a:ext cx="1127592" cy="1219200"/>
+          <a:off x="10751424" y="2819400"/>
+          <a:ext cx="1303556" cy="1219200"/>
         </p:xfrm>
         <a:graphic>
           <a:graphicData uri="http://schemas.openxmlformats.org/drawingml/2006/table">
@@ -5350,7 +5617,7 @@
                 <a:tableStyleId>{073A0DAA-6AF3-43AB-8588-CEC1D06C72B9}</a:tableStyleId>
               </a:tblPr>
               <a:tblGrid>
-                <a:gridCol w="1127592">
+                <a:gridCol w="1303556">
                   <a:extLst>
                     <a:ext uri="{9D8B030D-6E8A-4147-A177-3AD203B41FA5}">
                       <a16:colId xmlns:a16="http://schemas.microsoft.com/office/drawing/2014/main" val="2161190940"/>
@@ -5386,7 +5653,10 @@
                     <a:lstStyle/>
                     <a:p>
                       <a:pPr latinLnBrk="1"/>
-                      <a:endParaRPr lang="ko-KR" altLang="en-US" sz="1400" dirty="0"/>
+                      <a:r>
+                        <a:rPr lang="ko-KR" altLang="en-US" sz="1400" dirty="0"/>
+                        <a:t>카테고리선택</a:t>
+                      </a:r>
                     </a:p>
                   </a:txBody>
                   <a:tcPr/>
@@ -5452,14 +5722,14 @@
           <p:nvPr>
             <p:extLst>
               <p:ext uri="{D42A27DB-BD31-4B8C-83A1-F6EECF244321}">
-                <p14:modId xmlns:p14="http://schemas.microsoft.com/office/powerpoint/2010/main" val="2522015790"/>
+                <p14:modId xmlns:p14="http://schemas.microsoft.com/office/powerpoint/2010/main" val="2186772379"/>
               </p:ext>
             </p:extLst>
           </p:nvPr>
         </p:nvGraphicFramePr>
         <p:xfrm>
-          <a:off x="2431874" y="2819400"/>
-          <a:ext cx="1463415" cy="1219200"/>
+          <a:off x="2165760" y="2819400"/>
+          <a:ext cx="1809224" cy="1219200"/>
         </p:xfrm>
         <a:graphic>
           <a:graphicData uri="http://schemas.openxmlformats.org/drawingml/2006/table">
@@ -5468,7 +5738,7 @@
                 <a:tableStyleId>{073A0DAA-6AF3-43AB-8588-CEC1D06C72B9}</a:tableStyleId>
               </a:tblPr>
               <a:tblGrid>
-                <a:gridCol w="1463415">
+                <a:gridCol w="1809224">
                   <a:extLst>
                     <a:ext uri="{9D8B030D-6E8A-4147-A177-3AD203B41FA5}">
                       <a16:colId xmlns:a16="http://schemas.microsoft.com/office/drawing/2014/main" val="2161190940"/>
@@ -5485,7 +5755,7 @@
                       <a:pPr latinLnBrk="1"/>
                       <a:r>
                         <a:rPr lang="ko-KR" altLang="en-US" sz="1400" dirty="0"/>
-                        <a:t>게시글 관리</a:t>
+                        <a:t>게시글</a:t>
                       </a:r>
                     </a:p>
                   </a:txBody>
@@ -5504,7 +5774,10 @@
                     <a:lstStyle/>
                     <a:p>
                       <a:pPr latinLnBrk="1"/>
-                      <a:endParaRPr lang="ko-KR" altLang="en-US" sz="1400" dirty="0"/>
+                      <a:r>
+                        <a:rPr lang="ko-KR" altLang="en-US" sz="1400" dirty="0"/>
+                        <a:t>게시글 목록 조회</a:t>
+                      </a:r>
                     </a:p>
                   </a:txBody>
                   <a:tcPr/>
@@ -5522,7 +5795,10 @@
                     <a:lstStyle/>
                     <a:p>
                       <a:pPr latinLnBrk="1"/>
-                      <a:endParaRPr lang="ko-KR" altLang="en-US" sz="1400" dirty="0"/>
+                      <a:r>
+                        <a:rPr lang="ko-KR" altLang="en-US" sz="1400" dirty="0"/>
+                        <a:t>게시글 상세</a:t>
+                      </a:r>
                     </a:p>
                   </a:txBody>
                   <a:tcPr/>
@@ -5540,7 +5816,10 @@
                     <a:lstStyle/>
                     <a:p>
                       <a:pPr latinLnBrk="1"/>
-                      <a:endParaRPr lang="ko-KR" altLang="en-US" sz="1400" dirty="0"/>
+                      <a:r>
+                        <a:rPr lang="ko-KR" altLang="en-US" sz="1400" dirty="0"/>
+                        <a:t>게시글 작성</a:t>
+                      </a:r>
                     </a:p>
                   </a:txBody>
                   <a:tcPr/>
@@ -5806,10 +6085,585 @@
           </a:graphicData>
         </a:graphic>
       </p:graphicFrame>
+      <p:graphicFrame>
+        <p:nvGraphicFramePr>
+          <p:cNvPr id="18" name="표 17">
+            <a:extLst>
+              <a:ext uri="{FF2B5EF4-FFF2-40B4-BE49-F238E27FC236}">
+                <a16:creationId xmlns:a16="http://schemas.microsoft.com/office/drawing/2014/main" id="{5D03B8DE-20B8-4DF7-9D90-C08612A84ACD}"/>
+              </a:ext>
+            </a:extLst>
+          </p:cNvPr>
+          <p:cNvGraphicFramePr>
+            <a:graphicFrameLocks noGrp="1"/>
+          </p:cNvGraphicFramePr>
+          <p:nvPr>
+            <p:extLst>
+              <p:ext uri="{D42A27DB-BD31-4B8C-83A1-F6EECF244321}">
+                <p14:modId xmlns:p14="http://schemas.microsoft.com/office/powerpoint/2010/main" val="3814269902"/>
+              </p:ext>
+            </p:extLst>
+          </p:nvPr>
+        </p:nvGraphicFramePr>
+        <p:xfrm>
+          <a:off x="549013" y="4213370"/>
+          <a:ext cx="1677798" cy="1432560"/>
+        </p:xfrm>
+        <a:graphic>
+          <a:graphicData uri="http://schemas.openxmlformats.org/drawingml/2006/table">
+            <a:tbl>
+              <a:tblPr firstRow="1" bandRow="1">
+                <a:tableStyleId>{073A0DAA-6AF3-43AB-8588-CEC1D06C72B9}</a:tableStyleId>
+              </a:tblPr>
+              <a:tblGrid>
+                <a:gridCol w="1677798">
+                  <a:extLst>
+                    <a:ext uri="{9D8B030D-6E8A-4147-A177-3AD203B41FA5}">
+                      <a16:colId xmlns:a16="http://schemas.microsoft.com/office/drawing/2014/main" val="2861158106"/>
+                    </a:ext>
+                  </a:extLst>
+                </a:gridCol>
+              </a:tblGrid>
+              <a:tr h="281837">
+                <a:tc>
+                  <a:txBody>
+                    <a:bodyPr/>
+                    <a:lstStyle/>
+                    <a:p>
+                      <a:pPr latinLnBrk="1"/>
+                      <a:r>
+                        <a:rPr lang="ko-KR" altLang="en-US" sz="1400" dirty="0" err="1"/>
+                        <a:t>메인페이지</a:t>
+                      </a:r>
+                      <a:endParaRPr lang="ko-KR" altLang="en-US" sz="1400" dirty="0"/>
+                    </a:p>
+                  </a:txBody>
+                  <a:tcPr/>
+                </a:tc>
+                <a:extLst>
+                  <a:ext uri="{0D108BD9-81ED-4DB2-BD59-A6C34878D82A}">
+                    <a16:rowId xmlns:a16="http://schemas.microsoft.com/office/drawing/2014/main" val="4022542639"/>
+                  </a:ext>
+                </a:extLst>
+              </a:tr>
+              <a:tr h="281837">
+                <a:tc>
+                  <a:txBody>
+                    <a:bodyPr/>
+                    <a:lstStyle/>
+                    <a:p>
+                      <a:pPr latinLnBrk="1"/>
+                      <a:r>
+                        <a:rPr lang="ko-KR" altLang="en-US" sz="1400" dirty="0"/>
+                        <a:t>전체통계</a:t>
+                      </a:r>
+                      <a:r>
+                        <a:rPr lang="en-US" altLang="ko-KR" sz="1400" dirty="0"/>
+                        <a:t>(</a:t>
+                      </a:r>
+                      <a:r>
+                        <a:rPr lang="ko-KR" altLang="en-US" sz="1400" dirty="0" err="1"/>
+                        <a:t>접속자</a:t>
+                      </a:r>
+                      <a:r>
+                        <a:rPr lang="en-US" altLang="ko-KR" sz="1400" dirty="0"/>
+                        <a:t>,</a:t>
+                      </a:r>
+                      <a:r>
+                        <a:rPr lang="ko-KR" altLang="en-US" sz="1400" dirty="0" err="1"/>
+                        <a:t>등록글</a:t>
+                      </a:r>
+                      <a:r>
+                        <a:rPr lang="en-US" altLang="ko-KR" sz="1400" dirty="0"/>
+                        <a:t>,</a:t>
+                      </a:r>
+                      <a:r>
+                        <a:rPr lang="ko-KR" altLang="en-US" sz="1400" dirty="0"/>
+                        <a:t>카테고리</a:t>
+                      </a:r>
+                      <a:r>
+                        <a:rPr lang="en-US" altLang="ko-KR" sz="1400" dirty="0"/>
+                        <a:t>)</a:t>
+                      </a:r>
+                      <a:endParaRPr lang="ko-KR" altLang="en-US" sz="1400" dirty="0"/>
+                    </a:p>
+                  </a:txBody>
+                  <a:tcPr/>
+                </a:tc>
+                <a:extLst>
+                  <a:ext uri="{0D108BD9-81ED-4DB2-BD59-A6C34878D82A}">
+                    <a16:rowId xmlns:a16="http://schemas.microsoft.com/office/drawing/2014/main" val="2455494468"/>
+                  </a:ext>
+                </a:extLst>
+              </a:tr>
+              <a:tr h="281837">
+                <a:tc>
+                  <a:txBody>
+                    <a:bodyPr/>
+                    <a:lstStyle/>
+                    <a:p>
+                      <a:pPr latinLnBrk="1"/>
+                      <a:r>
+                        <a:rPr lang="ko-KR" altLang="en-US" sz="1400" dirty="0"/>
+                        <a:t>카테고리 </a:t>
+                      </a:r>
+                      <a:r>
+                        <a:rPr lang="ko-KR" altLang="en-US" sz="1400" dirty="0" err="1"/>
+                        <a:t>인기글</a:t>
+                      </a:r>
+                      <a:endParaRPr lang="ko-KR" altLang="en-US" sz="1400" dirty="0"/>
+                    </a:p>
+                  </a:txBody>
+                  <a:tcPr/>
+                </a:tc>
+                <a:extLst>
+                  <a:ext uri="{0D108BD9-81ED-4DB2-BD59-A6C34878D82A}">
+                    <a16:rowId xmlns:a16="http://schemas.microsoft.com/office/drawing/2014/main" val="1624679715"/>
+                  </a:ext>
+                </a:extLst>
+              </a:tr>
+              <a:tr h="281837">
+                <a:tc>
+                  <a:txBody>
+                    <a:bodyPr/>
+                    <a:lstStyle/>
+                    <a:p>
+                      <a:pPr latinLnBrk="1"/>
+                      <a:r>
+                        <a:rPr lang="ko-KR" altLang="en-US" sz="1400" dirty="0" err="1"/>
+                        <a:t>귀여운이미지</a:t>
+                      </a:r>
+                      <a:r>
+                        <a:rPr lang="en-US" altLang="ko-KR" sz="1400" dirty="0"/>
+                        <a:t>(</a:t>
+                      </a:r>
+                      <a:r>
+                        <a:rPr lang="ko-KR" altLang="en-US" sz="1400" dirty="0"/>
+                        <a:t>대문</a:t>
+                      </a:r>
+                      <a:r>
+                        <a:rPr lang="en-US" altLang="ko-KR" sz="1400" dirty="0"/>
+                        <a:t>)</a:t>
+                      </a:r>
+                      <a:endParaRPr lang="ko-KR" altLang="en-US" sz="1400" dirty="0"/>
+                    </a:p>
+                  </a:txBody>
+                  <a:tcPr/>
+                </a:tc>
+                <a:extLst>
+                  <a:ext uri="{0D108BD9-81ED-4DB2-BD59-A6C34878D82A}">
+                    <a16:rowId xmlns:a16="http://schemas.microsoft.com/office/drawing/2014/main" val="2522295464"/>
+                  </a:ext>
+                </a:extLst>
+              </a:tr>
+            </a:tbl>
+          </a:graphicData>
+        </a:graphic>
+      </p:graphicFrame>
     </p:spTree>
     <p:extLst>
       <p:ext uri="{BB962C8B-B14F-4D97-AF65-F5344CB8AC3E}">
         <p14:creationId xmlns:p14="http://schemas.microsoft.com/office/powerpoint/2010/main" val="2730406696"/>
+      </p:ext>
+    </p:extLst>
+  </p:cSld>
+  <p:clrMapOvr>
+    <a:masterClrMapping/>
+  </p:clrMapOvr>
+</p:sld>
+</file>
+
+<file path=ppt/slides/slide5.xml><?xml version="1.0" encoding="utf-8"?>
+<p:sld xmlns:a="http://schemas.openxmlformats.org/drawingml/2006/main" xmlns:r="http://schemas.openxmlformats.org/officeDocument/2006/relationships" xmlns:p="http://schemas.openxmlformats.org/presentationml/2006/main">
+  <p:cSld>
+    <p:spTree>
+      <p:nvGrpSpPr>
+        <p:cNvPr id="1" name=""/>
+        <p:cNvGrpSpPr/>
+        <p:nvPr/>
+      </p:nvGrpSpPr>
+      <p:grpSpPr>
+        <a:xfrm>
+          <a:off x="0" y="0"/>
+          <a:ext cx="0" cy="0"/>
+          <a:chOff x="0" y="0"/>
+          <a:chExt cx="0" cy="0"/>
+        </a:xfrm>
+      </p:grpSpPr>
+      <p:sp>
+        <p:nvSpPr>
+          <p:cNvPr id="2" name="제목 1">
+            <a:extLst>
+              <a:ext uri="{FF2B5EF4-FFF2-40B4-BE49-F238E27FC236}">
+                <a16:creationId xmlns:a16="http://schemas.microsoft.com/office/drawing/2014/main" id="{6AB6C28D-461F-485F-9BE3-E0A1129B4411}"/>
+              </a:ext>
+            </a:extLst>
+          </p:cNvPr>
+          <p:cNvSpPr>
+            <a:spLocks noGrp="1"/>
+          </p:cNvSpPr>
+          <p:nvPr>
+            <p:ph type="title"/>
+          </p:nvPr>
+        </p:nvSpPr>
+        <p:spPr/>
+        <p:txBody>
+          <a:bodyPr/>
+          <a:lstStyle/>
+          <a:p>
+            <a:endParaRPr lang="ko-KR" altLang="en-US"/>
+          </a:p>
+        </p:txBody>
+      </p:sp>
+      <p:sp>
+        <p:nvSpPr>
+          <p:cNvPr id="3" name="내용 개체 틀 2">
+            <a:extLst>
+              <a:ext uri="{FF2B5EF4-FFF2-40B4-BE49-F238E27FC236}">
+                <a16:creationId xmlns:a16="http://schemas.microsoft.com/office/drawing/2014/main" id="{6BF18211-3432-4A13-B9EF-56A6D2C423CD}"/>
+              </a:ext>
+            </a:extLst>
+          </p:cNvPr>
+          <p:cNvSpPr>
+            <a:spLocks noGrp="1"/>
+          </p:cNvSpPr>
+          <p:nvPr>
+            <p:ph idx="1"/>
+          </p:nvPr>
+        </p:nvSpPr>
+        <p:spPr/>
+        <p:txBody>
+          <a:bodyPr/>
+          <a:lstStyle/>
+          <a:p>
+            <a:endParaRPr lang="ko-KR" altLang="en-US"/>
+          </a:p>
+        </p:txBody>
+      </p:sp>
+    </p:spTree>
+    <p:extLst>
+      <p:ext uri="{BB962C8B-B14F-4D97-AF65-F5344CB8AC3E}">
+        <p14:creationId xmlns:p14="http://schemas.microsoft.com/office/powerpoint/2010/main" val="3532625534"/>
+      </p:ext>
+    </p:extLst>
+  </p:cSld>
+  <p:clrMapOvr>
+    <a:masterClrMapping/>
+  </p:clrMapOvr>
+</p:sld>
+</file>
+
+<file path=ppt/slides/slide6.xml><?xml version="1.0" encoding="utf-8"?>
+<p:sld xmlns:a="http://schemas.openxmlformats.org/drawingml/2006/main" xmlns:r="http://schemas.openxmlformats.org/officeDocument/2006/relationships" xmlns:p="http://schemas.openxmlformats.org/presentationml/2006/main">
+  <p:cSld>
+    <p:spTree>
+      <p:nvGrpSpPr>
+        <p:cNvPr id="1" name=""/>
+        <p:cNvGrpSpPr/>
+        <p:nvPr/>
+      </p:nvGrpSpPr>
+      <p:grpSpPr>
+        <a:xfrm>
+          <a:off x="0" y="0"/>
+          <a:ext cx="0" cy="0"/>
+          <a:chOff x="0" y="0"/>
+          <a:chExt cx="0" cy="0"/>
+        </a:xfrm>
+      </p:grpSpPr>
+      <p:sp>
+        <p:nvSpPr>
+          <p:cNvPr id="2" name="제목 1">
+            <a:extLst>
+              <a:ext uri="{FF2B5EF4-FFF2-40B4-BE49-F238E27FC236}">
+                <a16:creationId xmlns:a16="http://schemas.microsoft.com/office/drawing/2014/main" id="{6AB6C28D-461F-485F-9BE3-E0A1129B4411}"/>
+              </a:ext>
+            </a:extLst>
+          </p:cNvPr>
+          <p:cNvSpPr>
+            <a:spLocks noGrp="1"/>
+          </p:cNvSpPr>
+          <p:nvPr>
+            <p:ph type="title"/>
+          </p:nvPr>
+        </p:nvSpPr>
+        <p:spPr/>
+        <p:txBody>
+          <a:bodyPr/>
+          <a:lstStyle/>
+          <a:p>
+            <a:endParaRPr lang="ko-KR" altLang="en-US"/>
+          </a:p>
+        </p:txBody>
+      </p:sp>
+      <p:sp>
+        <p:nvSpPr>
+          <p:cNvPr id="3" name="내용 개체 틀 2">
+            <a:extLst>
+              <a:ext uri="{FF2B5EF4-FFF2-40B4-BE49-F238E27FC236}">
+                <a16:creationId xmlns:a16="http://schemas.microsoft.com/office/drawing/2014/main" id="{6BF18211-3432-4A13-B9EF-56A6D2C423CD}"/>
+              </a:ext>
+            </a:extLst>
+          </p:cNvPr>
+          <p:cNvSpPr>
+            <a:spLocks noGrp="1"/>
+          </p:cNvSpPr>
+          <p:nvPr>
+            <p:ph idx="1"/>
+          </p:nvPr>
+        </p:nvSpPr>
+        <p:spPr/>
+        <p:txBody>
+          <a:bodyPr/>
+          <a:lstStyle/>
+          <a:p>
+            <a:endParaRPr lang="ko-KR" altLang="en-US"/>
+          </a:p>
+        </p:txBody>
+      </p:sp>
+    </p:spTree>
+    <p:extLst>
+      <p:ext uri="{BB962C8B-B14F-4D97-AF65-F5344CB8AC3E}">
+        <p14:creationId xmlns:p14="http://schemas.microsoft.com/office/powerpoint/2010/main" val="190261181"/>
+      </p:ext>
+    </p:extLst>
+  </p:cSld>
+  <p:clrMapOvr>
+    <a:masterClrMapping/>
+  </p:clrMapOvr>
+</p:sld>
+</file>
+
+<file path=ppt/slides/slide7.xml><?xml version="1.0" encoding="utf-8"?>
+<p:sld xmlns:a="http://schemas.openxmlformats.org/drawingml/2006/main" xmlns:r="http://schemas.openxmlformats.org/officeDocument/2006/relationships" xmlns:p="http://schemas.openxmlformats.org/presentationml/2006/main">
+  <p:cSld>
+    <p:spTree>
+      <p:nvGrpSpPr>
+        <p:cNvPr id="1" name=""/>
+        <p:cNvGrpSpPr/>
+        <p:nvPr/>
+      </p:nvGrpSpPr>
+      <p:grpSpPr>
+        <a:xfrm>
+          <a:off x="0" y="0"/>
+          <a:ext cx="0" cy="0"/>
+          <a:chOff x="0" y="0"/>
+          <a:chExt cx="0" cy="0"/>
+        </a:xfrm>
+      </p:grpSpPr>
+      <p:sp>
+        <p:nvSpPr>
+          <p:cNvPr id="2" name="제목 1">
+            <a:extLst>
+              <a:ext uri="{FF2B5EF4-FFF2-40B4-BE49-F238E27FC236}">
+                <a16:creationId xmlns:a16="http://schemas.microsoft.com/office/drawing/2014/main" id="{6AB6C28D-461F-485F-9BE3-E0A1129B4411}"/>
+              </a:ext>
+            </a:extLst>
+          </p:cNvPr>
+          <p:cNvSpPr>
+            <a:spLocks noGrp="1"/>
+          </p:cNvSpPr>
+          <p:nvPr>
+            <p:ph type="title"/>
+          </p:nvPr>
+        </p:nvSpPr>
+        <p:spPr/>
+        <p:txBody>
+          <a:bodyPr/>
+          <a:lstStyle/>
+          <a:p>
+            <a:endParaRPr lang="ko-KR" altLang="en-US"/>
+          </a:p>
+        </p:txBody>
+      </p:sp>
+      <p:sp>
+        <p:nvSpPr>
+          <p:cNvPr id="3" name="내용 개체 틀 2">
+            <a:extLst>
+              <a:ext uri="{FF2B5EF4-FFF2-40B4-BE49-F238E27FC236}">
+                <a16:creationId xmlns:a16="http://schemas.microsoft.com/office/drawing/2014/main" id="{6BF18211-3432-4A13-B9EF-56A6D2C423CD}"/>
+              </a:ext>
+            </a:extLst>
+          </p:cNvPr>
+          <p:cNvSpPr>
+            <a:spLocks noGrp="1"/>
+          </p:cNvSpPr>
+          <p:nvPr>
+            <p:ph idx="1"/>
+          </p:nvPr>
+        </p:nvSpPr>
+        <p:spPr/>
+        <p:txBody>
+          <a:bodyPr/>
+          <a:lstStyle/>
+          <a:p>
+            <a:endParaRPr lang="ko-KR" altLang="en-US"/>
+          </a:p>
+        </p:txBody>
+      </p:sp>
+    </p:spTree>
+    <p:extLst>
+      <p:ext uri="{BB962C8B-B14F-4D97-AF65-F5344CB8AC3E}">
+        <p14:creationId xmlns:p14="http://schemas.microsoft.com/office/powerpoint/2010/main" val="3491683405"/>
+      </p:ext>
+    </p:extLst>
+  </p:cSld>
+  <p:clrMapOvr>
+    <a:masterClrMapping/>
+  </p:clrMapOvr>
+</p:sld>
+</file>
+
+<file path=ppt/slides/slide8.xml><?xml version="1.0" encoding="utf-8"?>
+<p:sld xmlns:a="http://schemas.openxmlformats.org/drawingml/2006/main" xmlns:r="http://schemas.openxmlformats.org/officeDocument/2006/relationships" xmlns:p="http://schemas.openxmlformats.org/presentationml/2006/main">
+  <p:cSld>
+    <p:spTree>
+      <p:nvGrpSpPr>
+        <p:cNvPr id="1" name=""/>
+        <p:cNvGrpSpPr/>
+        <p:nvPr/>
+      </p:nvGrpSpPr>
+      <p:grpSpPr>
+        <a:xfrm>
+          <a:off x="0" y="0"/>
+          <a:ext cx="0" cy="0"/>
+          <a:chOff x="0" y="0"/>
+          <a:chExt cx="0" cy="0"/>
+        </a:xfrm>
+      </p:grpSpPr>
+      <p:sp>
+        <p:nvSpPr>
+          <p:cNvPr id="2" name="제목 1">
+            <a:extLst>
+              <a:ext uri="{FF2B5EF4-FFF2-40B4-BE49-F238E27FC236}">
+                <a16:creationId xmlns:a16="http://schemas.microsoft.com/office/drawing/2014/main" id="{6AB6C28D-461F-485F-9BE3-E0A1129B4411}"/>
+              </a:ext>
+            </a:extLst>
+          </p:cNvPr>
+          <p:cNvSpPr>
+            <a:spLocks noGrp="1"/>
+          </p:cNvSpPr>
+          <p:nvPr>
+            <p:ph type="title"/>
+          </p:nvPr>
+        </p:nvSpPr>
+        <p:spPr/>
+        <p:txBody>
+          <a:bodyPr/>
+          <a:lstStyle/>
+          <a:p>
+            <a:endParaRPr lang="ko-KR" altLang="en-US"/>
+          </a:p>
+        </p:txBody>
+      </p:sp>
+      <p:sp>
+        <p:nvSpPr>
+          <p:cNvPr id="3" name="내용 개체 틀 2">
+            <a:extLst>
+              <a:ext uri="{FF2B5EF4-FFF2-40B4-BE49-F238E27FC236}">
+                <a16:creationId xmlns:a16="http://schemas.microsoft.com/office/drawing/2014/main" id="{6BF18211-3432-4A13-B9EF-56A6D2C423CD}"/>
+              </a:ext>
+            </a:extLst>
+          </p:cNvPr>
+          <p:cNvSpPr>
+            <a:spLocks noGrp="1"/>
+          </p:cNvSpPr>
+          <p:nvPr>
+            <p:ph idx="1"/>
+          </p:nvPr>
+        </p:nvSpPr>
+        <p:spPr/>
+        <p:txBody>
+          <a:bodyPr/>
+          <a:lstStyle/>
+          <a:p>
+            <a:endParaRPr lang="ko-KR" altLang="en-US"/>
+          </a:p>
+        </p:txBody>
+      </p:sp>
+    </p:spTree>
+    <p:extLst>
+      <p:ext uri="{BB962C8B-B14F-4D97-AF65-F5344CB8AC3E}">
+        <p14:creationId xmlns:p14="http://schemas.microsoft.com/office/powerpoint/2010/main" val="1748060709"/>
+      </p:ext>
+    </p:extLst>
+  </p:cSld>
+  <p:clrMapOvr>
+    <a:masterClrMapping/>
+  </p:clrMapOvr>
+</p:sld>
+</file>
+
+<file path=ppt/slides/slide9.xml><?xml version="1.0" encoding="utf-8"?>
+<p:sld xmlns:a="http://schemas.openxmlformats.org/drawingml/2006/main" xmlns:r="http://schemas.openxmlformats.org/officeDocument/2006/relationships" xmlns:p="http://schemas.openxmlformats.org/presentationml/2006/main">
+  <p:cSld>
+    <p:spTree>
+      <p:nvGrpSpPr>
+        <p:cNvPr id="1" name=""/>
+        <p:cNvGrpSpPr/>
+        <p:nvPr/>
+      </p:nvGrpSpPr>
+      <p:grpSpPr>
+        <a:xfrm>
+          <a:off x="0" y="0"/>
+          <a:ext cx="0" cy="0"/>
+          <a:chOff x="0" y="0"/>
+          <a:chExt cx="0" cy="0"/>
+        </a:xfrm>
+      </p:grpSpPr>
+      <p:sp>
+        <p:nvSpPr>
+          <p:cNvPr id="2" name="제목 1">
+            <a:extLst>
+              <a:ext uri="{FF2B5EF4-FFF2-40B4-BE49-F238E27FC236}">
+                <a16:creationId xmlns:a16="http://schemas.microsoft.com/office/drawing/2014/main" id="{6AB6C28D-461F-485F-9BE3-E0A1129B4411}"/>
+              </a:ext>
+            </a:extLst>
+          </p:cNvPr>
+          <p:cNvSpPr>
+            <a:spLocks noGrp="1"/>
+          </p:cNvSpPr>
+          <p:nvPr>
+            <p:ph type="title"/>
+          </p:nvPr>
+        </p:nvSpPr>
+        <p:spPr/>
+        <p:txBody>
+          <a:bodyPr/>
+          <a:lstStyle/>
+          <a:p>
+            <a:endParaRPr lang="ko-KR" altLang="en-US"/>
+          </a:p>
+        </p:txBody>
+      </p:sp>
+      <p:sp>
+        <p:nvSpPr>
+          <p:cNvPr id="3" name="내용 개체 틀 2">
+            <a:extLst>
+              <a:ext uri="{FF2B5EF4-FFF2-40B4-BE49-F238E27FC236}">
+                <a16:creationId xmlns:a16="http://schemas.microsoft.com/office/drawing/2014/main" id="{6BF18211-3432-4A13-B9EF-56A6D2C423CD}"/>
+              </a:ext>
+            </a:extLst>
+          </p:cNvPr>
+          <p:cNvSpPr>
+            <a:spLocks noGrp="1"/>
+          </p:cNvSpPr>
+          <p:nvPr>
+            <p:ph idx="1"/>
+          </p:nvPr>
+        </p:nvSpPr>
+        <p:spPr/>
+        <p:txBody>
+          <a:bodyPr/>
+          <a:lstStyle/>
+          <a:p>
+            <a:endParaRPr lang="ko-KR" altLang="en-US"/>
+          </a:p>
+        </p:txBody>
+      </p:sp>
+    </p:spTree>
+    <p:extLst>
+      <p:ext uri="{BB962C8B-B14F-4D97-AF65-F5344CB8AC3E}">
+        <p14:creationId xmlns:p14="http://schemas.microsoft.com/office/powerpoint/2010/main" val="3039173246"/>
       </p:ext>
     </p:extLst>
   </p:cSld>
